--- a/Lectures/Machine Learning Pipelines.pptx
+++ b/Lectures/Machine Learning Pipelines.pptx
@@ -5,13 +5,16 @@
     <p:sldMasterId id="2147483648" r:id="rId1"/>
   </p:sldMasterIdLst>
   <p:notesMasterIdLst>
-    <p:notesMasterId r:id="rId6"/>
+    <p:notesMasterId r:id="rId9"/>
   </p:notesMasterIdLst>
   <p:sldIdLst>
     <p:sldId id="272" r:id="rId2"/>
     <p:sldId id="417" r:id="rId3"/>
     <p:sldId id="419" r:id="rId4"/>
     <p:sldId id="420" r:id="rId5"/>
+    <p:sldId id="421" r:id="rId6"/>
+    <p:sldId id="422" r:id="rId7"/>
+    <p:sldId id="423" r:id="rId8"/>
   </p:sldIdLst>
   <p:sldSz cx="9144000" cy="6858000" type="screen4x3"/>
   <p:notesSz cx="6858000" cy="9144000"/>
@@ -211,7 +214,7 @@
           <a:p>
             <a:fld id="{9B69B9FF-71BF-6149-A0CB-459184DAAD9F}" type="datetimeFigureOut">
               <a:rPr lang="en-US" smtClean="0"/>
-              <a:t>7/7/16</a:t>
+              <a:t>5/10/17</a:t>
             </a:fld>
             <a:endParaRPr lang="en-US"/>
           </a:p>
@@ -892,7 +895,7 @@
           <a:p>
             <a:fld id="{7C0312F8-2DE2-6B40-83C5-731724CAE2B0}" type="datetimeFigureOut">
               <a:rPr lang="en-US" smtClean="0"/>
-              <a:t>7/7/16</a:t>
+              <a:t>5/10/17</a:t>
             </a:fld>
             <a:endParaRPr lang="en-US"/>
           </a:p>
@@ -1072,7 +1075,7 @@
           <a:p>
             <a:fld id="{7C0312F8-2DE2-6B40-83C5-731724CAE2B0}" type="datetimeFigureOut">
               <a:rPr lang="en-US" smtClean="0"/>
-              <a:t>7/7/16</a:t>
+              <a:t>5/10/17</a:t>
             </a:fld>
             <a:endParaRPr lang="en-US"/>
           </a:p>
@@ -1586,7 +1589,7 @@
           <a:p>
             <a:fld id="{7C0312F8-2DE2-6B40-83C5-731724CAE2B0}" type="datetimeFigureOut">
               <a:rPr lang="en-US" smtClean="0"/>
-              <a:t>7/7/16</a:t>
+              <a:t>5/10/17</a:t>
             </a:fld>
             <a:endParaRPr lang="en-US"/>
           </a:p>
@@ -1874,7 +1877,7 @@
           <a:p>
             <a:fld id="{7C0312F8-2DE2-6B40-83C5-731724CAE2B0}" type="datetimeFigureOut">
               <a:rPr lang="en-US" smtClean="0"/>
-              <a:t>7/7/16</a:t>
+              <a:t>5/10/17</a:t>
             </a:fld>
             <a:endParaRPr lang="en-US"/>
           </a:p>
@@ -2296,7 +2299,7 @@
           <a:p>
             <a:fld id="{7C0312F8-2DE2-6B40-83C5-731724CAE2B0}" type="datetimeFigureOut">
               <a:rPr lang="en-US" smtClean="0"/>
-              <a:t>7/7/16</a:t>
+              <a:t>5/10/17</a:t>
             </a:fld>
             <a:endParaRPr lang="en-US"/>
           </a:p>
@@ -2540,7 +2543,7 @@
           <a:p>
             <a:fld id="{7C0312F8-2DE2-6B40-83C5-731724CAE2B0}" type="datetimeFigureOut">
               <a:rPr lang="en-US" smtClean="0"/>
-              <a:t>7/7/16</a:t>
+              <a:t>5/10/17</a:t>
             </a:fld>
             <a:endParaRPr lang="en-US"/>
           </a:p>
@@ -2817,7 +2820,7 @@
           <a:p>
             <a:fld id="{7C0312F8-2DE2-6B40-83C5-731724CAE2B0}" type="datetimeFigureOut">
               <a:rPr lang="en-US" smtClean="0"/>
-              <a:t>7/7/16</a:t>
+              <a:t>5/10/17</a:t>
             </a:fld>
             <a:endParaRPr lang="en-US"/>
           </a:p>
@@ -3074,7 +3077,7 @@
           <a:p>
             <a:fld id="{7C0312F8-2DE2-6B40-83C5-731724CAE2B0}" type="datetimeFigureOut">
               <a:rPr lang="en-US" smtClean="0"/>
-              <a:t>7/7/16</a:t>
+              <a:t>5/10/17</a:t>
             </a:fld>
             <a:endParaRPr lang="en-US"/>
           </a:p>
@@ -3287,7 +3290,7 @@
           <a:p>
             <a:fld id="{7C0312F8-2DE2-6B40-83C5-731724CAE2B0}" type="datetimeFigureOut">
               <a:rPr lang="en-US" smtClean="0"/>
-              <a:t>7/7/16</a:t>
+              <a:t>5/10/17</a:t>
             </a:fld>
             <a:endParaRPr lang="en-US"/>
           </a:p>
@@ -4168,51 +4171,103 @@
           <a:p>
             <a:r>
               <a:rPr lang="en-US" dirty="0" smtClean="0"/>
-              <a:t>Read/Load Data</a:t>
-            </a:r>
-          </a:p>
-          <a:p>
+              <a:t>Read/Load </a:t>
+            </a:r>
             <a:r>
               <a:rPr lang="en-US" dirty="0" smtClean="0"/>
-              <a:t>Integrate Data</a:t>
+              <a:t>Data (from csv, </a:t>
+            </a:r>
+            <a:r>
+              <a:rPr lang="en-US" dirty="0" err="1" smtClean="0"/>
+              <a:t>db</a:t>
+            </a:r>
+            <a:r>
+              <a:rPr lang="en-US" dirty="0" smtClean="0"/>
+              <a:t>, </a:t>
+            </a:r>
+            <a:r>
+              <a:rPr lang="en-US" dirty="0" err="1" smtClean="0"/>
+              <a:t>api</a:t>
+            </a:r>
+            <a:r>
+              <a:rPr lang="en-US" dirty="0" smtClean="0"/>
+              <a:t>)</a:t>
             </a:r>
             <a:endParaRPr lang="en-US" dirty="0" smtClean="0"/>
           </a:p>
           <a:p>
             <a:r>
               <a:rPr lang="en-US" dirty="0" smtClean="0"/>
-              <a:t>Explore Data</a:t>
-            </a:r>
-          </a:p>
-          <a:p>
+              <a:t>Integrate </a:t>
+            </a:r>
             <a:r>
               <a:rPr lang="en-US" dirty="0" smtClean="0"/>
-              <a:t>Process </a:t>
-            </a:r>
+              <a:t>Data (dedupe, link)</a:t>
+            </a:r>
+            <a:endParaRPr lang="en-US" dirty="0" smtClean="0"/>
+          </a:p>
+          <a:p>
             <a:r>
               <a:rPr lang="en-US" dirty="0" smtClean="0"/>
-              <a:t>Data</a:t>
+              <a:t>Explore </a:t>
+            </a:r>
+            <a:r>
+              <a:rPr lang="en-US" dirty="0" smtClean="0"/>
+              <a:t>Data (</a:t>
+            </a:r>
+            <a:r>
+              <a:rPr lang="en-US" dirty="0" err="1" smtClean="0"/>
+              <a:t>descriptives</a:t>
+            </a:r>
+            <a:r>
+              <a:rPr lang="en-US" dirty="0" smtClean="0"/>
+              <a:t>, correlations, outliers, over time, clustering</a:t>
+            </a:r>
+            <a:r>
+              <a:rPr lang="en-US" dirty="0"/>
+              <a:t>)</a:t>
+            </a:r>
+            <a:r>
+              <a:rPr lang="en-US" dirty="0" smtClean="0"/>
+              <a:t> </a:t>
+            </a:r>
+            <a:endParaRPr lang="en-US" dirty="0" smtClean="0"/>
+          </a:p>
+          <a:p>
+            <a:r>
+              <a:rPr lang="en-US" dirty="0" smtClean="0"/>
+              <a:t>Process Data</a:t>
             </a:r>
           </a:p>
           <a:p>
             <a:pPr lvl="1"/>
             <a:r>
               <a:rPr lang="en-US" dirty="0" smtClean="0"/>
-              <a:t>Missing values</a:t>
-            </a:r>
+              <a:t>Missing </a:t>
+            </a:r>
+            <a:r>
+              <a:rPr lang="en-US" dirty="0" smtClean="0"/>
+              <a:t>values (fill/impute, create dummy)</a:t>
+            </a:r>
+            <a:endParaRPr lang="en-US" dirty="0" smtClean="0"/>
           </a:p>
           <a:p>
             <a:pPr lvl="1"/>
             <a:r>
               <a:rPr lang="en-US" dirty="0" smtClean="0"/>
-              <a:t>Transformations</a:t>
-            </a:r>
+              <a:t>Transformations (scale/normalize, log, square, root)</a:t>
+            </a:r>
+            <a:endParaRPr lang="en-US" dirty="0" smtClean="0"/>
           </a:p>
           <a:p>
             <a:pPr lvl="1"/>
             <a:r>
               <a:rPr lang="en-US" dirty="0" smtClean="0"/>
-              <a:t>Feature Generation</a:t>
+              <a:t>Feature </a:t>
+            </a:r>
+            <a:r>
+              <a:rPr lang="en-US" dirty="0" smtClean="0"/>
+              <a:t>Generation (</a:t>
             </a:r>
             <a:endParaRPr lang="en-US" dirty="0" smtClean="0"/>
           </a:p>
@@ -4226,8 +4281,16 @@
             <a:pPr lvl="1"/>
             <a:r>
               <a:rPr lang="en-US" dirty="0" smtClean="0"/>
-              <a:t>Splits</a:t>
-            </a:r>
+              <a:t>Create training and test sets</a:t>
+            </a:r>
+          </a:p>
+          <a:p>
+            <a:pPr lvl="1"/>
+            <a:r>
+              <a:rPr lang="en-US" dirty="0" smtClean="0"/>
+              <a:t>Define metric(s)</a:t>
+            </a:r>
+            <a:endParaRPr lang="en-US" dirty="0" smtClean="0"/>
           </a:p>
           <a:p>
             <a:pPr lvl="1"/>
@@ -4307,6 +4370,326 @@
       </p:par>
     </p:tnLst>
   </p:timing>
+</p:sld>
+</file>
+
+<file path=ppt/slides/slide5.xml><?xml version="1.0" encoding="utf-8"?>
+<p:sld xmlns:a="http://schemas.openxmlformats.org/drawingml/2006/main" xmlns:r="http://schemas.openxmlformats.org/officeDocument/2006/relationships" xmlns:p="http://schemas.openxmlformats.org/presentationml/2006/main">
+  <p:cSld>
+    <p:spTree>
+      <p:nvGrpSpPr>
+        <p:cNvPr id="1" name=""/>
+        <p:cNvGrpSpPr/>
+        <p:nvPr/>
+      </p:nvGrpSpPr>
+      <p:grpSpPr>
+        <a:xfrm>
+          <a:off x="0" y="0"/>
+          <a:ext cx="0" cy="0"/>
+          <a:chOff x="0" y="0"/>
+          <a:chExt cx="0" cy="0"/>
+        </a:xfrm>
+      </p:grpSpPr>
+      <p:sp>
+        <p:nvSpPr>
+          <p:cNvPr id="2" name="Content Placeholder 1"/>
+          <p:cNvSpPr>
+            <a:spLocks noGrp="1"/>
+          </p:cNvSpPr>
+          <p:nvPr>
+            <p:ph idx="1"/>
+          </p:nvPr>
+        </p:nvSpPr>
+        <p:spPr/>
+        <p:txBody>
+          <a:bodyPr/>
+          <a:lstStyle/>
+          <a:p>
+            <a:r>
+              <a:rPr lang="en-US" dirty="0" smtClean="0"/>
+              <a:t>Different models</a:t>
+            </a:r>
+          </a:p>
+          <a:p>
+            <a:r>
+              <a:rPr lang="en-US" dirty="0" smtClean="0"/>
+              <a:t>Model parameters</a:t>
+            </a:r>
+          </a:p>
+          <a:p>
+            <a:r>
+              <a:rPr lang="en-US" dirty="0" smtClean="0"/>
+              <a:t>Labels/Outcomes</a:t>
+            </a:r>
+          </a:p>
+          <a:p>
+            <a:r>
+              <a:rPr lang="en-US" dirty="0" smtClean="0"/>
+              <a:t>Feature (Groups)</a:t>
+            </a:r>
+          </a:p>
+          <a:p>
+            <a:r>
+              <a:rPr lang="en-US" dirty="0" smtClean="0"/>
+              <a:t>Metrics</a:t>
+            </a:r>
+          </a:p>
+          <a:p>
+            <a:endParaRPr lang="en-US" dirty="0"/>
+          </a:p>
+        </p:txBody>
+      </p:sp>
+      <p:sp>
+        <p:nvSpPr>
+          <p:cNvPr id="3" name="Title 2"/>
+          <p:cNvSpPr>
+            <a:spLocks noGrp="1"/>
+          </p:cNvSpPr>
+          <p:nvPr>
+            <p:ph type="title"/>
+          </p:nvPr>
+        </p:nvSpPr>
+        <p:spPr/>
+        <p:txBody>
+          <a:bodyPr/>
+          <a:lstStyle/>
+          <a:p>
+            <a:r>
+              <a:rPr lang="en-US" dirty="0" smtClean="0"/>
+              <a:t>What do you want to test</a:t>
+            </a:r>
+            <a:endParaRPr lang="en-US" dirty="0"/>
+          </a:p>
+        </p:txBody>
+      </p:sp>
+    </p:spTree>
+    <p:extLst>
+      <p:ext uri="{BB962C8B-B14F-4D97-AF65-F5344CB8AC3E}">
+        <p14:creationId xmlns:p14="http://schemas.microsoft.com/office/powerpoint/2010/main" val="1547375114"/>
+      </p:ext>
+    </p:extLst>
+  </p:cSld>
+  <p:clrMapOvr>
+    <a:masterClrMapping/>
+  </p:clrMapOvr>
+</p:sld>
+</file>
+
+<file path=ppt/slides/slide6.xml><?xml version="1.0" encoding="utf-8"?>
+<p:sld xmlns:a="http://schemas.openxmlformats.org/drawingml/2006/main" xmlns:r="http://schemas.openxmlformats.org/officeDocument/2006/relationships" xmlns:p="http://schemas.openxmlformats.org/presentationml/2006/main">
+  <p:cSld>
+    <p:spTree>
+      <p:nvGrpSpPr>
+        <p:cNvPr id="1" name=""/>
+        <p:cNvGrpSpPr/>
+        <p:nvPr/>
+      </p:nvGrpSpPr>
+      <p:grpSpPr>
+        <a:xfrm>
+          <a:off x="0" y="0"/>
+          <a:ext cx="0" cy="0"/>
+          <a:chOff x="0" y="0"/>
+          <a:chExt cx="0" cy="0"/>
+        </a:xfrm>
+      </p:grpSpPr>
+      <p:sp>
+        <p:nvSpPr>
+          <p:cNvPr id="2" name="Content Placeholder 1"/>
+          <p:cNvSpPr>
+            <a:spLocks noGrp="1"/>
+          </p:cNvSpPr>
+          <p:nvPr>
+            <p:ph idx="1"/>
+          </p:nvPr>
+        </p:nvSpPr>
+        <p:spPr/>
+        <p:txBody>
+          <a:bodyPr/>
+          <a:lstStyle/>
+          <a:p>
+            <a:r>
+              <a:rPr lang="en-US" dirty="0" err="1" smtClean="0"/>
+              <a:t>Config</a:t>
+            </a:r>
+            <a:r>
+              <a:rPr lang="en-US" dirty="0" smtClean="0"/>
+              <a:t> files (</a:t>
+            </a:r>
+            <a:r>
+              <a:rPr lang="en-US" dirty="0" err="1" smtClean="0"/>
+              <a:t>yaml</a:t>
+            </a:r>
+            <a:r>
+              <a:rPr lang="en-US" dirty="0" smtClean="0"/>
+              <a:t>, </a:t>
+            </a:r>
+            <a:r>
+              <a:rPr lang="en-US" dirty="0" err="1" smtClean="0"/>
+              <a:t>json</a:t>
+            </a:r>
+            <a:r>
+              <a:rPr lang="en-US" dirty="0" smtClean="0"/>
+              <a:t>, </a:t>
+            </a:r>
+            <a:r>
+              <a:rPr lang="en-US" dirty="0" err="1" smtClean="0"/>
+              <a:t>py</a:t>
+            </a:r>
+            <a:r>
+              <a:rPr lang="en-US" dirty="0" smtClean="0"/>
+              <a:t>)</a:t>
+            </a:r>
+          </a:p>
+          <a:p>
+            <a:r>
+              <a:rPr lang="en-US" dirty="0" smtClean="0"/>
+              <a:t>Store models as pickles</a:t>
+            </a:r>
+          </a:p>
+          <a:p>
+            <a:r>
+              <a:rPr lang="en-US" dirty="0" smtClean="0"/>
+              <a:t>Store predictions in databases</a:t>
+            </a:r>
+          </a:p>
+          <a:p>
+            <a:r>
+              <a:rPr lang="en-US" dirty="0" smtClean="0"/>
+              <a:t>Store evaluation metrics in databases</a:t>
+            </a:r>
+            <a:endParaRPr lang="en-US" dirty="0"/>
+          </a:p>
+        </p:txBody>
+      </p:sp>
+      <p:sp>
+        <p:nvSpPr>
+          <p:cNvPr id="3" name="Title 2"/>
+          <p:cNvSpPr>
+            <a:spLocks noGrp="1"/>
+          </p:cNvSpPr>
+          <p:nvPr>
+            <p:ph type="title"/>
+          </p:nvPr>
+        </p:nvSpPr>
+        <p:spPr/>
+        <p:txBody>
+          <a:bodyPr/>
+          <a:lstStyle/>
+          <a:p>
+            <a:r>
+              <a:rPr lang="en-US" dirty="0" smtClean="0"/>
+              <a:t>Best Practices</a:t>
+            </a:r>
+            <a:endParaRPr lang="en-US" dirty="0"/>
+          </a:p>
+        </p:txBody>
+      </p:sp>
+    </p:spTree>
+    <p:extLst>
+      <p:ext uri="{BB962C8B-B14F-4D97-AF65-F5344CB8AC3E}">
+        <p14:creationId xmlns:p14="http://schemas.microsoft.com/office/powerpoint/2010/main" val="1143257615"/>
+      </p:ext>
+    </p:extLst>
+  </p:cSld>
+  <p:clrMapOvr>
+    <a:masterClrMapping/>
+  </p:clrMapOvr>
+</p:sld>
+</file>
+
+<file path=ppt/slides/slide7.xml><?xml version="1.0" encoding="utf-8"?>
+<p:sld xmlns:a="http://schemas.openxmlformats.org/drawingml/2006/main" xmlns:r="http://schemas.openxmlformats.org/officeDocument/2006/relationships" xmlns:p="http://schemas.openxmlformats.org/presentationml/2006/main">
+  <p:cSld>
+    <p:spTree>
+      <p:nvGrpSpPr>
+        <p:cNvPr id="1" name=""/>
+        <p:cNvGrpSpPr/>
+        <p:nvPr/>
+      </p:nvGrpSpPr>
+      <p:grpSpPr>
+        <a:xfrm>
+          <a:off x="0" y="0"/>
+          <a:ext cx="0" cy="0"/>
+          <a:chOff x="0" y="0"/>
+          <a:chExt cx="0" cy="0"/>
+        </a:xfrm>
+      </p:grpSpPr>
+      <p:sp>
+        <p:nvSpPr>
+          <p:cNvPr id="2" name="Content Placeholder 1"/>
+          <p:cNvSpPr>
+            <a:spLocks noGrp="1"/>
+          </p:cNvSpPr>
+          <p:nvPr>
+            <p:ph idx="1"/>
+          </p:nvPr>
+        </p:nvSpPr>
+        <p:spPr/>
+        <p:txBody>
+          <a:bodyPr/>
+          <a:lstStyle/>
+          <a:p>
+            <a:r>
+              <a:rPr lang="en-US" dirty="0"/>
+              <a:t>https://</a:t>
+            </a:r>
+            <a:r>
+              <a:rPr lang="en-US" dirty="0" err="1"/>
+              <a:t>github.com</a:t>
+            </a:r>
+            <a:r>
+              <a:rPr lang="en-US" dirty="0"/>
+              <a:t>/</a:t>
+            </a:r>
+            <a:r>
+              <a:rPr lang="en-US" dirty="0" err="1"/>
+              <a:t>dssg</a:t>
+            </a:r>
+            <a:r>
+              <a:rPr lang="en-US" dirty="0"/>
+              <a:t>/</a:t>
+            </a:r>
+            <a:r>
+              <a:rPr lang="en-US" dirty="0" err="1"/>
+              <a:t>san_jose_housing</a:t>
+            </a:r>
+            <a:endParaRPr lang="en-US" dirty="0"/>
+          </a:p>
+        </p:txBody>
+      </p:sp>
+      <p:sp>
+        <p:nvSpPr>
+          <p:cNvPr id="3" name="Title 2"/>
+          <p:cNvSpPr>
+            <a:spLocks noGrp="1"/>
+          </p:cNvSpPr>
+          <p:nvPr>
+            <p:ph type="title"/>
+          </p:nvPr>
+        </p:nvSpPr>
+        <p:spPr/>
+        <p:txBody>
+          <a:bodyPr/>
+          <a:lstStyle/>
+          <a:p>
+            <a:r>
+              <a:rPr lang="en-US" dirty="0" smtClean="0"/>
+              <a:t>Example</a:t>
+            </a:r>
+            <a:endParaRPr lang="en-US" dirty="0"/>
+          </a:p>
+        </p:txBody>
+      </p:sp>
+    </p:spTree>
+    <p:extLst>
+      <p:ext uri="{BB962C8B-B14F-4D97-AF65-F5344CB8AC3E}">
+        <p14:creationId xmlns:p14="http://schemas.microsoft.com/office/powerpoint/2010/main" val="368457051"/>
+      </p:ext>
+    </p:extLst>
+  </p:cSld>
+  <p:clrMapOvr>
+    <a:masterClrMapping/>
+  </p:clrMapOvr>
 </p:sld>
 </file>
 
